--- a/Rails vs Sinatra.pptx
+++ b/Rails vs Sinatra.pptx
@@ -17,7 +17,7 @@
     <p:sldId id="265" r:id="rId11"/>
     <p:sldId id="267" r:id="rId12"/>
     <p:sldId id="268" r:id="rId13"/>
-    <p:sldId id="269" r:id="rId14"/>
+    <p:sldId id="271" r:id="rId14"/>
     <p:sldId id="264" r:id="rId15"/>
     <p:sldId id="270" r:id="rId16"/>
   </p:sldIdLst>
@@ -629,7 +629,7 @@
             <a:fld id="{B61BEF0D-F0BB-DE4B-95CE-6DB70DBA9567}" type="datetimeFigureOut">
               <a:rPr lang="en-US" dirty="0"/>
               <a:pPr/>
-              <a:t>11/11/2016</a:t>
+              <a:t>11/14/2016</a:t>
             </a:fld>
             <a:endParaRPr lang="en-US" dirty="0"/>
           </a:p>
@@ -922,7 +922,7 @@
             <a:fld id="{B61BEF0D-F0BB-DE4B-95CE-6DB70DBA9567}" type="datetimeFigureOut">
               <a:rPr lang="en-US" dirty="0"/>
               <a:pPr/>
-              <a:t>11/11/2016</a:t>
+              <a:t>11/14/2016</a:t>
             </a:fld>
             <a:endParaRPr lang="en-US" dirty="0"/>
           </a:p>
@@ -1167,7 +1167,7 @@
             <a:fld id="{B61BEF0D-F0BB-DE4B-95CE-6DB70DBA9567}" type="datetimeFigureOut">
               <a:rPr lang="en-US" dirty="0"/>
               <a:pPr/>
-              <a:t>11/11/2016</a:t>
+              <a:t>11/14/2016</a:t>
             </a:fld>
             <a:endParaRPr lang="en-US" dirty="0"/>
           </a:p>
@@ -1704,7 +1704,7 @@
             <a:fld id="{B61BEF0D-F0BB-DE4B-95CE-6DB70DBA9567}" type="datetimeFigureOut">
               <a:rPr lang="en-US" dirty="0"/>
               <a:pPr/>
-              <a:t>11/11/2016</a:t>
+              <a:t>11/14/2016</a:t>
             </a:fld>
             <a:endParaRPr lang="en-US" dirty="0"/>
           </a:p>
@@ -1949,7 +1949,7 @@
             <a:fld id="{B61BEF0D-F0BB-DE4B-95CE-6DB70DBA9567}" type="datetimeFigureOut">
               <a:rPr lang="en-US" dirty="0"/>
               <a:pPr/>
-              <a:t>11/11/2016</a:t>
+              <a:t>11/14/2016</a:t>
             </a:fld>
             <a:endParaRPr lang="en-US" dirty="0"/>
           </a:p>
@@ -2478,7 +2478,7 @@
             <a:fld id="{B61BEF0D-F0BB-DE4B-95CE-6DB70DBA9567}" type="datetimeFigureOut">
               <a:rPr lang="en-US" dirty="0"/>
               <a:pPr/>
-              <a:t>11/11/2016</a:t>
+              <a:t>11/14/2016</a:t>
             </a:fld>
             <a:endParaRPr lang="en-US" dirty="0"/>
           </a:p>
@@ -2772,7 +2772,7 @@
             <a:fld id="{B61BEF0D-F0BB-DE4B-95CE-6DB70DBA9567}" type="datetimeFigureOut">
               <a:rPr lang="en-US" dirty="0"/>
               <a:pPr/>
-              <a:t>11/11/2016</a:t>
+              <a:t>11/14/2016</a:t>
             </a:fld>
             <a:endParaRPr lang="en-US" dirty="0"/>
           </a:p>
@@ -2943,7 +2943,7 @@
             <a:fld id="{B61BEF0D-F0BB-DE4B-95CE-6DB70DBA9567}" type="datetimeFigureOut">
               <a:rPr lang="en-US" dirty="0"/>
               <a:pPr/>
-              <a:t>11/11/2016</a:t>
+              <a:t>11/14/2016</a:t>
             </a:fld>
             <a:endParaRPr lang="en-US" dirty="0"/>
           </a:p>
@@ -3120,7 +3120,7 @@
             <a:fld id="{B61BEF0D-F0BB-DE4B-95CE-6DB70DBA9567}" type="datetimeFigureOut">
               <a:rPr lang="en-US" dirty="0"/>
               <a:pPr/>
-              <a:t>11/11/2016</a:t>
+              <a:t>11/14/2016</a:t>
             </a:fld>
             <a:endParaRPr lang="en-US" dirty="0"/>
           </a:p>
@@ -3287,7 +3287,7 @@
             <a:fld id="{B61BEF0D-F0BB-DE4B-95CE-6DB70DBA9567}" type="datetimeFigureOut">
               <a:rPr lang="en-US" dirty="0"/>
               <a:pPr/>
-              <a:t>11/11/2016</a:t>
+              <a:t>11/14/2016</a:t>
             </a:fld>
             <a:endParaRPr lang="en-US" dirty="0"/>
           </a:p>
@@ -3535,7 +3535,7 @@
             <a:fld id="{B61BEF0D-F0BB-DE4B-95CE-6DB70DBA9567}" type="datetimeFigureOut">
               <a:rPr lang="en-US" dirty="0"/>
               <a:pPr/>
-              <a:t>11/11/2016</a:t>
+              <a:t>11/14/2016</a:t>
             </a:fld>
             <a:endParaRPr lang="en-US" dirty="0"/>
           </a:p>
@@ -3829,7 +3829,7 @@
             <a:fld id="{B61BEF0D-F0BB-DE4B-95CE-6DB70DBA9567}" type="datetimeFigureOut">
               <a:rPr lang="en-US" dirty="0"/>
               <a:pPr/>
-              <a:t>11/11/2016</a:t>
+              <a:t>11/14/2016</a:t>
             </a:fld>
             <a:endParaRPr lang="en-US" dirty="0"/>
           </a:p>
@@ -4268,7 +4268,7 @@
             <a:fld id="{B61BEF0D-F0BB-DE4B-95CE-6DB70DBA9567}" type="datetimeFigureOut">
               <a:rPr lang="en-US" dirty="0"/>
               <a:pPr/>
-              <a:t>11/11/2016</a:t>
+              <a:t>11/14/2016</a:t>
             </a:fld>
             <a:endParaRPr lang="en-US" dirty="0"/>
           </a:p>
@@ -4383,7 +4383,7 @@
             <a:fld id="{B61BEF0D-F0BB-DE4B-95CE-6DB70DBA9567}" type="datetimeFigureOut">
               <a:rPr lang="en-US" dirty="0"/>
               <a:pPr/>
-              <a:t>11/11/2016</a:t>
+              <a:t>11/14/2016</a:t>
             </a:fld>
             <a:endParaRPr lang="en-US" dirty="0"/>
           </a:p>
@@ -4475,7 +4475,7 @@
             <a:fld id="{B61BEF0D-F0BB-DE4B-95CE-6DB70DBA9567}" type="datetimeFigureOut">
               <a:rPr lang="en-US" dirty="0"/>
               <a:pPr/>
-              <a:t>11/11/2016</a:t>
+              <a:t>11/14/2016</a:t>
             </a:fld>
             <a:endParaRPr lang="en-US" dirty="0"/>
           </a:p>
@@ -4755,7 +4755,7 @@
             <a:fld id="{B61BEF0D-F0BB-DE4B-95CE-6DB70DBA9567}" type="datetimeFigureOut">
               <a:rPr lang="en-US" dirty="0"/>
               <a:pPr/>
-              <a:t>11/11/2016</a:t>
+              <a:t>11/14/2016</a:t>
             </a:fld>
             <a:endParaRPr lang="en-US" dirty="0"/>
           </a:p>
@@ -5043,7 +5043,7 @@
             <a:fld id="{B61BEF0D-F0BB-DE4B-95CE-6DB70DBA9567}" type="datetimeFigureOut">
               <a:rPr lang="en-US" dirty="0"/>
               <a:pPr/>
-              <a:t>11/11/2016</a:t>
+              <a:t>11/14/2016</a:t>
             </a:fld>
             <a:endParaRPr lang="en-US" dirty="0"/>
           </a:p>
@@ -5570,7 +5570,7 @@
             <a:fld id="{B61BEF0D-F0BB-DE4B-95CE-6DB70DBA9567}" type="datetimeFigureOut">
               <a:rPr lang="en-US" dirty="0"/>
               <a:pPr/>
-              <a:t>11/11/2016</a:t>
+              <a:t>11/14/2016</a:t>
             </a:fld>
             <a:endParaRPr lang="en-US" dirty="0"/>
           </a:p>
@@ -6858,49 +6858,56 @@
           <a:bodyPr/>
           <a:lstStyle/>
           <a:p>
-            <a:endParaRPr lang="nl-BE" dirty="0"/>
+            <a:endParaRPr lang="nl-BE"/>
+          </a:p>
+        </p:txBody>
+      </p:sp>
+      <p:sp>
+        <p:nvSpPr>
+          <p:cNvPr id="3" name="Tijdelijke aanduiding voor inhoud 2"/>
+          <p:cNvSpPr>
+            <a:spLocks noGrp="1"/>
+          </p:cNvSpPr>
+          <p:nvPr>
+            <p:ph idx="1"/>
+          </p:nvPr>
+        </p:nvSpPr>
+        <p:spPr/>
+        <p:txBody>
+          <a:bodyPr/>
+          <a:lstStyle/>
+          <a:p>
+            <a:endParaRPr lang="nl-BE"/>
           </a:p>
         </p:txBody>
       </p:sp>
       <p:pic>
         <p:nvPicPr>
-          <p:cNvPr id="4" name="Tijdelijke aanduiding voor inhoud 3"/>
+          <p:cNvPr id="4" name="Afbeelding 3"/>
           <p:cNvPicPr>
-            <a:picLocks noGrp="1" noChangeAspect="1"/>
+            <a:picLocks noChangeAspect="1"/>
           </p:cNvPicPr>
-          <p:nvPr>
-            <p:ph idx="1"/>
-          </p:nvPr>
+          <p:nvPr/>
         </p:nvPicPr>
         <p:blipFill rotWithShape="1">
           <a:blip r:embed="rId2"/>
-          <a:srcRect l="504" r="1"/>
+          <a:srcRect l="1003" t="1057" r="2048" b="1787"/>
           <a:stretch/>
         </p:blipFill>
         <p:spPr>
           <a:xfrm>
-            <a:off x="2513130" y="340468"/>
-            <a:ext cx="8698365" cy="5982511"/>
+            <a:off x="2239862" y="286357"/>
+            <a:ext cx="8296712" cy="6206722"/>
           </a:xfrm>
           <a:prstGeom prst="rect">
             <a:avLst/>
           </a:prstGeom>
-          <a:ln>
-            <a:noFill/>
-          </a:ln>
-          <a:effectLst>
-            <a:outerShdw blurRad="190500" algn="tl" rotWithShape="0">
-              <a:srgbClr val="000000">
-                <a:alpha val="70000"/>
-              </a:srgbClr>
-            </a:outerShdw>
-          </a:effectLst>
         </p:spPr>
       </p:pic>
     </p:spTree>
     <p:extLst>
       <p:ext uri="{BB962C8B-B14F-4D97-AF65-F5344CB8AC3E}">
-        <p14:creationId xmlns:p14="http://schemas.microsoft.com/office/powerpoint/2010/main" val="1770596830"/>
+        <p14:creationId xmlns:p14="http://schemas.microsoft.com/office/powerpoint/2010/main" val="4246109522"/>
       </p:ext>
     </p:extLst>
   </p:cSld>
